--- a/_WORK/states.pptx
+++ b/_WORK/states.pptx
@@ -104,6 +104,11 @@
       </a:defRPr>
     </a:lvl9pPr>
   </p:defaultTextStyle>
+  <p:extLst>
+    <p:ext uri="{EFAFB233-063F-42B5-8137-9DF3F51BA10A}">
+      <p15:sldGuideLst xmlns:p15="http://schemas.microsoft.com/office/powerpoint/2012/main"/>
+    </p:ext>
+  </p:extLst>
 </p:presentation>
 </file>
 
@@ -120,7 +125,7 @@
   <pc:docChgLst>
     <pc:chgData name="Georges Camy" userId="1ce976439d0b04f0" providerId="LiveId" clId="{BC340949-7A66-45F6-89C1-A2605C96852C}"/>
     <pc:docChg chg="undo custSel addSld delSld modSld">
-      <pc:chgData name="Georges Camy" userId="1ce976439d0b04f0" providerId="LiveId" clId="{BC340949-7A66-45F6-89C1-A2605C96852C}" dt="2023-09-11T21:38:42.352" v="1050" actId="108"/>
+      <pc:chgData name="Georges Camy" userId="1ce976439d0b04f0" providerId="LiveId" clId="{BC340949-7A66-45F6-89C1-A2605C96852C}" dt="2023-10-16T19:49:11.178" v="1051" actId="14100"/>
       <pc:docMkLst>
         <pc:docMk/>
       </pc:docMkLst>
@@ -132,7 +137,7 @@
         </pc:sldMkLst>
       </pc:sldChg>
       <pc:sldChg chg="addSp delSp modSp new mod modClrScheme chgLayout">
-        <pc:chgData name="Georges Camy" userId="1ce976439d0b04f0" providerId="LiveId" clId="{BC340949-7A66-45F6-89C1-A2605C96852C}" dt="2023-09-11T21:38:42.352" v="1050" actId="108"/>
+        <pc:chgData name="Georges Camy" userId="1ce976439d0b04f0" providerId="LiveId" clId="{BC340949-7A66-45F6-89C1-A2605C96852C}" dt="2023-10-16T19:49:11.178" v="1051" actId="14100"/>
         <pc:sldMkLst>
           <pc:docMk/>
           <pc:sldMk cId="1550111151" sldId="257"/>
@@ -434,7 +439,7 @@
           </ac:cxnSpMkLst>
         </pc:cxnChg>
         <pc:cxnChg chg="add mod">
-          <ac:chgData name="Georges Camy" userId="1ce976439d0b04f0" providerId="LiveId" clId="{BC340949-7A66-45F6-89C1-A2605C96852C}" dt="2023-09-11T18:45:59.008" v="837" actId="1076"/>
+          <ac:chgData name="Georges Camy" userId="1ce976439d0b04f0" providerId="LiveId" clId="{BC340949-7A66-45F6-89C1-A2605C96852C}" dt="2023-10-16T19:49:11.178" v="1051" actId="14100"/>
           <ac:cxnSpMkLst>
             <pc:docMk/>
             <pc:sldMk cId="1550111151" sldId="257"/>
@@ -666,7 +671,7 @@
           <a:p>
             <a:fld id="{6476DA6A-8033-4B5A-8FA6-BF2002679D21}" type="datetimeFigureOut">
               <a:rPr lang="en-GB" smtClean="0"/>
-              <a:t>09/09/2023</a:t>
+              <a:t>15/10/2023</a:t>
             </a:fld>
             <a:endParaRPr lang="en-GB"/>
           </a:p>
@@ -864,7 +869,7 @@
           <a:p>
             <a:fld id="{6476DA6A-8033-4B5A-8FA6-BF2002679D21}" type="datetimeFigureOut">
               <a:rPr lang="en-GB" smtClean="0"/>
-              <a:t>09/09/2023</a:t>
+              <a:t>15/10/2023</a:t>
             </a:fld>
             <a:endParaRPr lang="en-GB"/>
           </a:p>
@@ -1072,7 +1077,7 @@
           <a:p>
             <a:fld id="{6476DA6A-8033-4B5A-8FA6-BF2002679D21}" type="datetimeFigureOut">
               <a:rPr lang="en-GB" smtClean="0"/>
-              <a:t>09/09/2023</a:t>
+              <a:t>15/10/2023</a:t>
             </a:fld>
             <a:endParaRPr lang="en-GB"/>
           </a:p>
@@ -1270,7 +1275,7 @@
           <a:p>
             <a:fld id="{6476DA6A-8033-4B5A-8FA6-BF2002679D21}" type="datetimeFigureOut">
               <a:rPr lang="en-GB" smtClean="0"/>
-              <a:t>09/09/2023</a:t>
+              <a:t>15/10/2023</a:t>
             </a:fld>
             <a:endParaRPr lang="en-GB"/>
           </a:p>
@@ -1545,7 +1550,7 @@
           <a:p>
             <a:fld id="{6476DA6A-8033-4B5A-8FA6-BF2002679D21}" type="datetimeFigureOut">
               <a:rPr lang="en-GB" smtClean="0"/>
-              <a:t>09/09/2023</a:t>
+              <a:t>15/10/2023</a:t>
             </a:fld>
             <a:endParaRPr lang="en-GB"/>
           </a:p>
@@ -1810,7 +1815,7 @@
           <a:p>
             <a:fld id="{6476DA6A-8033-4B5A-8FA6-BF2002679D21}" type="datetimeFigureOut">
               <a:rPr lang="en-GB" smtClean="0"/>
-              <a:t>09/09/2023</a:t>
+              <a:t>15/10/2023</a:t>
             </a:fld>
             <a:endParaRPr lang="en-GB"/>
           </a:p>
@@ -2222,7 +2227,7 @@
           <a:p>
             <a:fld id="{6476DA6A-8033-4B5A-8FA6-BF2002679D21}" type="datetimeFigureOut">
               <a:rPr lang="en-GB" smtClean="0"/>
-              <a:t>09/09/2023</a:t>
+              <a:t>15/10/2023</a:t>
             </a:fld>
             <a:endParaRPr lang="en-GB"/>
           </a:p>
@@ -2363,7 +2368,7 @@
           <a:p>
             <a:fld id="{6476DA6A-8033-4B5A-8FA6-BF2002679D21}" type="datetimeFigureOut">
               <a:rPr lang="en-GB" smtClean="0"/>
-              <a:t>09/09/2023</a:t>
+              <a:t>15/10/2023</a:t>
             </a:fld>
             <a:endParaRPr lang="en-GB"/>
           </a:p>
@@ -2476,7 +2481,7 @@
           <a:p>
             <a:fld id="{6476DA6A-8033-4B5A-8FA6-BF2002679D21}" type="datetimeFigureOut">
               <a:rPr lang="en-GB" smtClean="0"/>
-              <a:t>09/09/2023</a:t>
+              <a:t>15/10/2023</a:t>
             </a:fld>
             <a:endParaRPr lang="en-GB"/>
           </a:p>
@@ -2787,7 +2792,7 @@
           <a:p>
             <a:fld id="{6476DA6A-8033-4B5A-8FA6-BF2002679D21}" type="datetimeFigureOut">
               <a:rPr lang="en-GB" smtClean="0"/>
-              <a:t>09/09/2023</a:t>
+              <a:t>15/10/2023</a:t>
             </a:fld>
             <a:endParaRPr lang="en-GB"/>
           </a:p>
@@ -3075,7 +3080,7 @@
           <a:p>
             <a:fld id="{6476DA6A-8033-4B5A-8FA6-BF2002679D21}" type="datetimeFigureOut">
               <a:rPr lang="en-GB" smtClean="0"/>
-              <a:t>09/09/2023</a:t>
+              <a:t>15/10/2023</a:t>
             </a:fld>
             <a:endParaRPr lang="en-GB"/>
           </a:p>
@@ -3316,7 +3321,7 @@
           <a:p>
             <a:fld id="{6476DA6A-8033-4B5A-8FA6-BF2002679D21}" type="datetimeFigureOut">
               <a:rPr lang="en-GB" smtClean="0"/>
-              <a:t>09/09/2023</a:t>
+              <a:t>15/10/2023</a:t>
             </a:fld>
             <a:endParaRPr lang="en-GB"/>
           </a:p>
@@ -4471,19 +4476,18 @@
           <p:cNvCxnSpPr>
             <a:cxnSpLocks/>
             <a:stCxn id="115" idx="0"/>
-            <a:endCxn id="8" idx="1"/>
+            <a:endCxn id="7" idx="2"/>
           </p:cNvCxnSpPr>
           <p:nvPr/>
         </p:nvCxnSpPr>
         <p:spPr>
           <a:xfrm rot="16200000" flipV="1">
-            <a:off x="3806315" y="2896349"/>
-            <a:ext cx="1332400" cy="943025"/>
-          </a:xfrm>
-          <a:prstGeom prst="curvedConnector4">
+            <a:off x="2571049" y="1661084"/>
+            <a:ext cx="1278522" cy="3467434"/>
+          </a:xfrm>
+          <a:prstGeom prst="curvedConnector3">
             <a:avLst>
-              <a:gd name="adj1" fmla="val 44780"/>
-              <a:gd name="adj2" fmla="val 124241"/>
+              <a:gd name="adj1" fmla="val 50000"/>
             </a:avLst>
           </a:prstGeom>
           <a:ln w="15875">
